--- a/DSA/Notes/4recursion.pptx
+++ b/DSA/Notes/4recursion.pptx
@@ -302,7 +302,7 @@
           <a:p>
             <a:fld id="{1D8BD707-D9CF-40AE-B4C6-C98DA3205C09}" type="datetimeFigureOut">
               <a:rPr lang="en-US"/>
-              <a:t>12/25/2024</a:t>
+              <a:t>3/27/2025</a:t>
             </a:fld>
             <a:endParaRPr lang="en-US"/>
           </a:p>
@@ -479,7 +479,7 @@
           <a:p>
             <a:fld id="{1D8BD707-D9CF-40AE-B4C6-C98DA3205C09}" type="datetimeFigureOut">
               <a:rPr lang="en-US"/>
-              <a:t>12/25/2024</a:t>
+              <a:t>3/27/2025</a:t>
             </a:fld>
             <a:endParaRPr lang="en-US"/>
           </a:p>
@@ -699,7 +699,7 @@
           <a:p>
             <a:fld id="{1D8BD707-D9CF-40AE-B4C6-C98DA3205C09}" type="datetimeFigureOut">
               <a:rPr lang="en-US"/>
-              <a:t>12/25/2024</a:t>
+              <a:t>3/27/2025</a:t>
             </a:fld>
             <a:endParaRPr lang="en-US"/>
           </a:p>
@@ -847,7 +847,7 @@
           <a:p>
             <a:fld id="{1D8BD707-D9CF-40AE-B4C6-C98DA3205C09}" type="datetimeFigureOut">
               <a:rPr lang="en-US"/>
-              <a:t>12/25/2024</a:t>
+              <a:t>3/27/2025</a:t>
             </a:fld>
             <a:endParaRPr lang="en-US"/>
           </a:p>
@@ -966,7 +966,7 @@
           <a:p>
             <a:fld id="{1D8BD707-D9CF-40AE-B4C6-C98DA3205C09}" type="datetimeFigureOut">
               <a:rPr lang="en-US"/>
-              <a:t>12/25/2024</a:t>
+              <a:t>3/27/2025</a:t>
             </a:fld>
             <a:endParaRPr lang="en-US"/>
           </a:p>
@@ -1191,7 +1191,7 @@
           <a:p>
             <a:fld id="{1D8BD707-D9CF-40AE-B4C6-C98DA3205C09}" type="datetimeFigureOut">
               <a:rPr lang="en-US"/>
-              <a:t>12/25/2024</a:t>
+              <a:t>3/27/2025</a:t>
             </a:fld>
             <a:endParaRPr lang="en-US"/>
           </a:p>
